--- a/src/4221-t6/t6.pptx
+++ b/src/4221-t6/t6.pptx
@@ -214,7 +214,7 @@
           <a:p>
             <a:fld id="{6D5F542F-3912-4102-A059-1AFE7161E629}" type="datetimeFigureOut">
               <a:rPr lang="en-SG" smtClean="0"/>
-              <a:t>8/3/2022</a:t>
+              <a:t>10/3/2022</a:t>
             </a:fld>
             <a:endParaRPr lang="en-SG"/>
           </a:p>
@@ -631,7 +631,7 @@
           <a:p>
             <a:fld id="{662D6570-D456-408F-873E-1E815D64133B}" type="datetime1">
               <a:rPr lang="en-SG" smtClean="0"/>
-              <a:t>8/3/2022</a:t>
+              <a:t>10/3/2022</a:t>
             </a:fld>
             <a:endParaRPr lang="en-SG"/>
           </a:p>
@@ -834,7 +834,7 @@
           <a:p>
             <a:fld id="{DDBF267B-94B0-4135-BB7F-FC178F0A0445}" type="datetime1">
               <a:rPr lang="en-SG" smtClean="0"/>
-              <a:t>8/3/2022</a:t>
+              <a:t>10/3/2022</a:t>
             </a:fld>
             <a:endParaRPr lang="en-SG"/>
           </a:p>
@@ -1047,7 +1047,7 @@
           <a:p>
             <a:fld id="{082969F1-91E2-429F-81FC-5051DB504BA6}" type="datetime1">
               <a:rPr lang="en-SG" smtClean="0"/>
-              <a:t>8/3/2022</a:t>
+              <a:t>10/3/2022</a:t>
             </a:fld>
             <a:endParaRPr lang="en-SG"/>
           </a:p>
@@ -1250,7 +1250,7 @@
           <a:p>
             <a:fld id="{B6372307-1B99-4246-9623-D2CE97EFFB4C}" type="datetime1">
               <a:rPr lang="en-SG" smtClean="0"/>
-              <a:t>8/3/2022</a:t>
+              <a:t>10/3/2022</a:t>
             </a:fld>
             <a:endParaRPr lang="en-SG"/>
           </a:p>
@@ -1529,7 +1529,7 @@
           <a:p>
             <a:fld id="{85A72152-5E4B-4843-9F96-C009AD4BC9D4}" type="datetime1">
               <a:rPr lang="en-SG" smtClean="0"/>
-              <a:t>8/3/2022</a:t>
+              <a:t>10/3/2022</a:t>
             </a:fld>
             <a:endParaRPr lang="en-SG"/>
           </a:p>
@@ -1800,7 +1800,7 @@
           <a:p>
             <a:fld id="{0FEBD2EE-9099-434F-8100-F20EE1B70B01}" type="datetime1">
               <a:rPr lang="en-SG" smtClean="0"/>
-              <a:t>8/3/2022</a:t>
+              <a:t>10/3/2022</a:t>
             </a:fld>
             <a:endParaRPr lang="en-SG"/>
           </a:p>
@@ -2218,7 +2218,7 @@
           <a:p>
             <a:fld id="{E1D019A4-068A-44A9-8016-911CBB493D5D}" type="datetime1">
               <a:rPr lang="en-SG" smtClean="0"/>
-              <a:t>8/3/2022</a:t>
+              <a:t>10/3/2022</a:t>
             </a:fld>
             <a:endParaRPr lang="en-SG"/>
           </a:p>
@@ -2363,7 +2363,7 @@
           <a:p>
             <a:fld id="{16AC3922-0E47-4FA9-BF7F-9AA2852ABC99}" type="datetime1">
               <a:rPr lang="en-SG" smtClean="0"/>
-              <a:t>8/3/2022</a:t>
+              <a:t>10/3/2022</a:t>
             </a:fld>
             <a:endParaRPr lang="en-SG"/>
           </a:p>
@@ -2479,7 +2479,7 @@
           <a:p>
             <a:fld id="{FDFDE157-BBAF-4492-A004-F1C0CA44D2BB}" type="datetime1">
               <a:rPr lang="en-SG" smtClean="0"/>
-              <a:t>8/3/2022</a:t>
+              <a:t>10/3/2022</a:t>
             </a:fld>
             <a:endParaRPr lang="en-SG"/>
           </a:p>
@@ -2795,7 +2795,7 @@
           <a:p>
             <a:fld id="{3C9973A4-4415-456C-A0CA-C42C24DDEDCF}" type="datetime1">
               <a:rPr lang="en-SG" smtClean="0"/>
-              <a:t>8/3/2022</a:t>
+              <a:t>10/3/2022</a:t>
             </a:fld>
             <a:endParaRPr lang="en-SG"/>
           </a:p>
@@ -3087,7 +3087,7 @@
           <a:p>
             <a:fld id="{C7C9EBA4-A05E-43C8-9996-5BB6FCA3D632}" type="datetime1">
               <a:rPr lang="en-SG" smtClean="0"/>
-              <a:t>8/3/2022</a:t>
+              <a:t>10/3/2022</a:t>
             </a:fld>
             <a:endParaRPr lang="en-SG"/>
           </a:p>
@@ -3333,7 +3333,7 @@
           <a:p>
             <a:fld id="{B580AC61-24C0-4E7A-9602-4E0CA4533EE3}" type="datetime1">
               <a:rPr lang="en-SG" smtClean="0"/>
-              <a:t>8/3/2022</a:t>
+              <a:t>10/3/2022</a:t>
             </a:fld>
             <a:endParaRPr lang="en-SG"/>
           </a:p>
@@ -4288,7 +4288,7 @@
           <a:p>
             <a:r>
               <a:rPr lang="en-US" dirty="0" err="1"/>
-              <a:t>mangoDB</a:t>
+              <a:t>mongoDB</a:t>
             </a:r>
             <a:r>
               <a:rPr lang="en-US" dirty="0"/>
@@ -4767,7 +4767,7 @@
           <a:p>
             <a:r>
               <a:rPr lang="en-US" dirty="0" err="1"/>
-              <a:t>mangoDB</a:t>
+              <a:t>mongoDB</a:t>
             </a:r>
             <a:endParaRPr lang="en-SG" dirty="0"/>
           </a:p>
@@ -4807,7 +4807,7 @@
               <a:rPr lang="en-US" dirty="0" err="1">
                 <a:latin typeface="Consolas" panose="020B0609020204030204" pitchFamily="49" charset="0"/>
               </a:rPr>
-              <a:t>mangoimport</a:t>
+              <a:t>mongoimport</a:t>
             </a:r>
             <a:endParaRPr lang="en-SG" dirty="0">
               <a:latin typeface="Consolas" panose="020B0609020204030204" pitchFamily="49" charset="0"/>
@@ -5187,7 +5187,7 @@
           <a:p>
             <a:r>
               <a:rPr lang="en-US" dirty="0" err="1"/>
-              <a:t>mangoDB</a:t>
+              <a:t>mongoDB</a:t>
             </a:r>
             <a:endParaRPr lang="en-SG" dirty="0"/>
           </a:p>
@@ -5478,7 +5478,7 @@
           <a:p>
             <a:r>
               <a:rPr lang="en-US" dirty="0" err="1"/>
-              <a:t>mangoDB</a:t>
+              <a:t>mongoDB</a:t>
             </a:r>
             <a:endParaRPr lang="en-SG" dirty="0"/>
           </a:p>
@@ -5518,7 +5518,7 @@
             </a:r>
             <a:r>
               <a:rPr lang="en-US" dirty="0" err="1"/>
-              <a:t>mangoDB</a:t>
+              <a:t>mongoDB</a:t>
             </a:r>
             <a:r>
               <a:rPr lang="en-US" dirty="0"/>
@@ -5569,7 +5569,7 @@
             </a:r>
             <a:r>
               <a:rPr lang="en-US" sz="2000" dirty="0" err="1"/>
-              <a:t>mangoDB</a:t>
+              <a:t>mongoDB</a:t>
             </a:r>
             <a:r>
               <a:rPr lang="en-US" sz="2000" dirty="0"/>
@@ -5807,7 +5807,7 @@
           <a:p>
             <a:r>
               <a:rPr lang="en-US" dirty="0" err="1"/>
-              <a:t>mangoDB</a:t>
+              <a:t>mongoDB</a:t>
             </a:r>
             <a:endParaRPr lang="en-SG" dirty="0"/>
           </a:p>
@@ -5847,7 +5847,7 @@
             </a:r>
             <a:r>
               <a:rPr lang="en-US" dirty="0" err="1"/>
-              <a:t>mangoDB</a:t>
+              <a:t>mongoDB</a:t>
             </a:r>
             <a:r>
               <a:rPr lang="en-US" dirty="0"/>
@@ -6089,7 +6089,7 @@
           <a:p>
             <a:r>
               <a:rPr lang="en-US" dirty="0" err="1"/>
-              <a:t>mangoDB</a:t>
+              <a:t>mongoDB</a:t>
             </a:r>
             <a:endParaRPr lang="en-SG" dirty="0"/>
           </a:p>
@@ -6422,7 +6422,7 @@
           <a:p>
             <a:r>
               <a:rPr lang="en-US" dirty="0" err="1"/>
-              <a:t>mangoDB</a:t>
+              <a:t>mongoDB</a:t>
             </a:r>
             <a:endParaRPr lang="en-SG" dirty="0"/>
           </a:p>
